--- a/blogs/logo.pptx
+++ b/blogs/logo.pptx
@@ -4149,6 +4149,42 @@
           </a:fontRef>
         </p:style>
       </p:cxnSp>
+      <p:sp>
+        <p:nvSpPr>
+          <p:cNvPr id="2" name="TextBox 1">
+            <a:extLst>
+              <a:ext uri="{FF2B5EF4-FFF2-40B4-BE49-F238E27FC236}">
+                <a16:creationId xmlns:a16="http://schemas.microsoft.com/office/drawing/2014/main" id="{E8B91C2D-C625-83ED-0B46-0C795242E7A3}"/>
+              </a:ext>
+            </a:extLst>
+          </p:cNvPr>
+          <p:cNvSpPr txBox="1"/>
+          <p:nvPr/>
+        </p:nvSpPr>
+        <p:spPr>
+          <a:xfrm>
+            <a:off x="2017579" y="1276971"/>
+            <a:ext cx="872258" cy="246221"/>
+          </a:xfrm>
+          <a:prstGeom prst="rect">
+            <a:avLst/>
+          </a:prstGeom>
+          <a:noFill/>
+        </p:spPr>
+        <p:txBody>
+          <a:bodyPr wrap="square" rtlCol="0">
+            <a:spAutoFit/>
+          </a:bodyPr>
+          <a:lstStyle/>
+          <a:p>
+            <a:r>
+              <a:rPr lang="en-US" sz="1000" dirty="0"/>
+              <a:t>For Python</a:t>
+            </a:r>
+            <a:endParaRPr lang="nl-NL" sz="1000" dirty="0"/>
+          </a:p>
+        </p:txBody>
+      </p:sp>
     </p:spTree>
     <p:extLst>
       <p:ext uri="{BB962C8B-B14F-4D97-AF65-F5344CB8AC3E}">

--- a/blogs/logo.pptx
+++ b/blogs/logo.pptx
@@ -5,10 +5,11 @@
     <p:sldMasterId id="2147483804" r:id="rId1"/>
   </p:sldMasterIdLst>
   <p:notesMasterIdLst>
-    <p:notesMasterId r:id="rId3"/>
+    <p:notesMasterId r:id="rId4"/>
   </p:notesMasterIdLst>
   <p:sldIdLst>
     <p:sldId id="263" r:id="rId2"/>
+    <p:sldId id="264" r:id="rId3"/>
   </p:sldIdLst>
   <p:sldSz cx="2743200" cy="1828800"/>
   <p:notesSz cx="6858000" cy="9144000"/>
@@ -545,6 +546,95 @@
     <p:extLst>
       <p:ext uri="{BB962C8B-B14F-4D97-AF65-F5344CB8AC3E}">
         <p14:creationId xmlns:p14="http://schemas.microsoft.com/office/powerpoint/2010/main" val="643555752"/>
+      </p:ext>
+    </p:extLst>
+  </p:cSld>
+  <p:clrMapOvr>
+    <a:masterClrMapping/>
+  </p:clrMapOvr>
+</p:notes>
+</file>
+
+<file path=ppt/notesSlides/notesSlide2.xml><?xml version="1.0" encoding="utf-8"?>
+<p:notes xmlns:a="http://schemas.openxmlformats.org/drawingml/2006/main" xmlns:r="http://schemas.openxmlformats.org/officeDocument/2006/relationships" xmlns:p="http://schemas.openxmlformats.org/presentationml/2006/main">
+  <p:cSld>
+    <p:spTree>
+      <p:nvGrpSpPr>
+        <p:cNvPr id="1" name=""/>
+        <p:cNvGrpSpPr/>
+        <p:nvPr/>
+      </p:nvGrpSpPr>
+      <p:grpSpPr>
+        <a:xfrm>
+          <a:off x="0" y="0"/>
+          <a:ext cx="0" cy="0"/>
+          <a:chOff x="0" y="0"/>
+          <a:chExt cx="0" cy="0"/>
+        </a:xfrm>
+      </p:grpSpPr>
+      <p:sp>
+        <p:nvSpPr>
+          <p:cNvPr id="2" name="Slide Image Placeholder 1"/>
+          <p:cNvSpPr>
+            <a:spLocks noGrp="1" noRot="1" noChangeAspect="1"/>
+          </p:cNvSpPr>
+          <p:nvPr>
+            <p:ph type="sldImg"/>
+          </p:nvPr>
+        </p:nvSpPr>
+        <p:spPr>
+          <a:xfrm>
+            <a:off x="1114425" y="1143000"/>
+            <a:ext cx="4629150" cy="3086100"/>
+          </a:xfrm>
+        </p:spPr>
+      </p:sp>
+      <p:sp>
+        <p:nvSpPr>
+          <p:cNvPr id="3" name="Notes Placeholder 2"/>
+          <p:cNvSpPr>
+            <a:spLocks noGrp="1"/>
+          </p:cNvSpPr>
+          <p:nvPr>
+            <p:ph type="body" idx="1"/>
+          </p:nvPr>
+        </p:nvSpPr>
+        <p:spPr/>
+        <p:txBody>
+          <a:bodyPr/>
+          <a:lstStyle/>
+          <a:p>
+            <a:endParaRPr lang="nl-NL" dirty="0"/>
+          </a:p>
+        </p:txBody>
+      </p:sp>
+      <p:sp>
+        <p:nvSpPr>
+          <p:cNvPr id="4" name="Slide Number Placeholder 3"/>
+          <p:cNvSpPr>
+            <a:spLocks noGrp="1"/>
+          </p:cNvSpPr>
+          <p:nvPr>
+            <p:ph type="sldNum" sz="quarter" idx="5"/>
+          </p:nvPr>
+        </p:nvSpPr>
+        <p:spPr/>
+        <p:txBody>
+          <a:bodyPr/>
+          <a:lstStyle/>
+          <a:p>
+            <a:fld id="{BB255F2B-E0A6-493C-ADEE-980FD016BAB7}" type="slidenum">
+              <a:rPr lang="nl-NL" smtClean="0"/>
+              <a:t>2</a:t>
+            </a:fld>
+            <a:endParaRPr lang="nl-NL"/>
+          </a:p>
+        </p:txBody>
+      </p:sp>
+    </p:spTree>
+    <p:extLst>
+      <p:ext uri="{BB962C8B-B14F-4D97-AF65-F5344CB8AC3E}">
+        <p14:creationId xmlns:p14="http://schemas.microsoft.com/office/powerpoint/2010/main" val="1838795608"/>
       </p:ext>
     </p:extLst>
   </p:cSld>
@@ -4189,6 +4279,702 @@
     <p:extLst>
       <p:ext uri="{BB962C8B-B14F-4D97-AF65-F5344CB8AC3E}">
         <p14:creationId xmlns:p14="http://schemas.microsoft.com/office/powerpoint/2010/main" val="1249150621"/>
+      </p:ext>
+    </p:extLst>
+  </p:cSld>
+  <p:clrMapOvr>
+    <a:masterClrMapping/>
+  </p:clrMapOvr>
+</p:sld>
+</file>
+
+<file path=ppt/slides/slide2.xml><?xml version="1.0" encoding="utf-8"?>
+<p:sld xmlns:a="http://schemas.openxmlformats.org/drawingml/2006/main" xmlns:r="http://schemas.openxmlformats.org/officeDocument/2006/relationships" xmlns:p="http://schemas.openxmlformats.org/presentationml/2006/main">
+  <p:cSld>
+    <p:spTree>
+      <p:nvGrpSpPr>
+        <p:cNvPr id="1" name=""/>
+        <p:cNvGrpSpPr/>
+        <p:nvPr/>
+      </p:nvGrpSpPr>
+      <p:grpSpPr>
+        <a:xfrm>
+          <a:off x="0" y="0"/>
+          <a:ext cx="0" cy="0"/>
+          <a:chOff x="0" y="0"/>
+          <a:chExt cx="0" cy="0"/>
+        </a:xfrm>
+      </p:grpSpPr>
+      <p:sp>
+        <p:nvSpPr>
+          <p:cNvPr id="58" name="TextBox 57">
+            <a:extLst>
+              <a:ext uri="{FF2B5EF4-FFF2-40B4-BE49-F238E27FC236}">
+                <a16:creationId xmlns:a16="http://schemas.microsoft.com/office/drawing/2014/main" id="{818C6E18-DA17-BB90-6F24-142153DF4993}"/>
+              </a:ext>
+            </a:extLst>
+          </p:cNvPr>
+          <p:cNvSpPr txBox="1"/>
+          <p:nvPr/>
+        </p:nvSpPr>
+        <p:spPr>
+          <a:xfrm>
+            <a:off x="-105030" y="445350"/>
+            <a:ext cx="2948243" cy="1107996"/>
+          </a:xfrm>
+          <a:prstGeom prst="rect">
+            <a:avLst/>
+          </a:prstGeom>
+          <a:noFill/>
+        </p:spPr>
+        <p:txBody>
+          <a:bodyPr wrap="none" rtlCol="0">
+            <a:spAutoFit/>
+          </a:bodyPr>
+          <a:lstStyle/>
+          <a:p>
+            <a:r>
+              <a:rPr lang="en-US" sz="6600" dirty="0"/>
+              <a:t>BN earn</a:t>
+            </a:r>
+            <a:endParaRPr lang="nl-NL" sz="6600" dirty="0"/>
+          </a:p>
+        </p:txBody>
+      </p:sp>
+      <p:sp>
+        <p:nvSpPr>
+          <p:cNvPr id="59" name="Oval 58">
+            <a:extLst>
+              <a:ext uri="{FF2B5EF4-FFF2-40B4-BE49-F238E27FC236}">
+                <a16:creationId xmlns:a16="http://schemas.microsoft.com/office/drawing/2014/main" id="{F9D963C5-92D5-B3C1-B947-B040E23D569B}"/>
+              </a:ext>
+            </a:extLst>
+          </p:cNvPr>
+          <p:cNvSpPr>
+            <a:spLocks noChangeAspect="1"/>
+          </p:cNvSpPr>
+          <p:nvPr/>
+        </p:nvSpPr>
+        <p:spPr>
+          <a:xfrm>
+            <a:off x="947475" y="1273175"/>
+            <a:ext cx="251619" cy="251619"/>
+          </a:xfrm>
+          <a:prstGeom prst="ellipse">
+            <a:avLst/>
+          </a:prstGeom>
+          <a:solidFill>
+            <a:schemeClr val="tx2">
+              <a:lumMod val="60000"/>
+              <a:lumOff val="40000"/>
+            </a:schemeClr>
+          </a:solidFill>
+          <a:ln w="38100">
+            <a:solidFill>
+              <a:schemeClr val="tx1"/>
+            </a:solidFill>
+          </a:ln>
+        </p:spPr>
+        <p:style>
+          <a:lnRef idx="2">
+            <a:schemeClr val="accent1">
+              <a:shade val="15000"/>
+            </a:schemeClr>
+          </a:lnRef>
+          <a:fillRef idx="1">
+            <a:schemeClr val="accent1"/>
+          </a:fillRef>
+          <a:effectRef idx="0">
+            <a:schemeClr val="accent1"/>
+          </a:effectRef>
+          <a:fontRef idx="minor">
+            <a:schemeClr val="lt1"/>
+          </a:fontRef>
+        </p:style>
+        <p:txBody>
+          <a:bodyPr rtlCol="0" anchor="ctr"/>
+          <a:lstStyle/>
+          <a:p>
+            <a:pPr algn="ctr"/>
+            <a:endParaRPr lang="nl-NL" sz="6600" dirty="0">
+              <a:solidFill>
+                <a:schemeClr val="tx1"/>
+              </a:solidFill>
+            </a:endParaRPr>
+          </a:p>
+        </p:txBody>
+      </p:sp>
+      <p:sp>
+        <p:nvSpPr>
+          <p:cNvPr id="60" name="Oval 59">
+            <a:extLst>
+              <a:ext uri="{FF2B5EF4-FFF2-40B4-BE49-F238E27FC236}">
+                <a16:creationId xmlns:a16="http://schemas.microsoft.com/office/drawing/2014/main" id="{625E2ED6-43AD-E538-02F8-1EBCECCEF30A}"/>
+              </a:ext>
+            </a:extLst>
+          </p:cNvPr>
+          <p:cNvSpPr>
+            <a:spLocks noChangeAspect="1"/>
+          </p:cNvSpPr>
+          <p:nvPr/>
+        </p:nvSpPr>
+        <p:spPr>
+          <a:xfrm>
+            <a:off x="1069333" y="525132"/>
+            <a:ext cx="186492" cy="186492"/>
+          </a:xfrm>
+          <a:prstGeom prst="ellipse">
+            <a:avLst/>
+          </a:prstGeom>
+          <a:solidFill>
+            <a:schemeClr val="accent2">
+              <a:lumMod val="50000"/>
+            </a:schemeClr>
+          </a:solidFill>
+          <a:ln w="38100">
+            <a:solidFill>
+              <a:schemeClr val="tx1"/>
+            </a:solidFill>
+          </a:ln>
+        </p:spPr>
+        <p:style>
+          <a:lnRef idx="2">
+            <a:schemeClr val="accent1">
+              <a:shade val="15000"/>
+            </a:schemeClr>
+          </a:lnRef>
+          <a:fillRef idx="1">
+            <a:schemeClr val="accent1"/>
+          </a:fillRef>
+          <a:effectRef idx="0">
+            <a:schemeClr val="accent1"/>
+          </a:effectRef>
+          <a:fontRef idx="minor">
+            <a:schemeClr val="lt1"/>
+          </a:fontRef>
+        </p:style>
+        <p:txBody>
+          <a:bodyPr rtlCol="0" anchor="ctr"/>
+          <a:lstStyle/>
+          <a:p>
+            <a:pPr algn="ctr"/>
+            <a:endParaRPr lang="nl-NL" sz="6600" dirty="0">
+              <a:solidFill>
+                <a:schemeClr val="tx1"/>
+              </a:solidFill>
+            </a:endParaRPr>
+          </a:p>
+        </p:txBody>
+      </p:sp>
+      <p:sp>
+        <p:nvSpPr>
+          <p:cNvPr id="61" name="Oval 60">
+            <a:extLst>
+              <a:ext uri="{FF2B5EF4-FFF2-40B4-BE49-F238E27FC236}">
+                <a16:creationId xmlns:a16="http://schemas.microsoft.com/office/drawing/2014/main" id="{38365AAC-647E-B58F-3EA5-62A5DADFC49E}"/>
+              </a:ext>
+            </a:extLst>
+          </p:cNvPr>
+          <p:cNvSpPr>
+            <a:spLocks noChangeAspect="1"/>
+          </p:cNvSpPr>
+          <p:nvPr/>
+        </p:nvSpPr>
+        <p:spPr>
+          <a:xfrm>
+            <a:off x="2041903" y="625499"/>
+            <a:ext cx="190500" cy="190500"/>
+          </a:xfrm>
+          <a:prstGeom prst="ellipse">
+            <a:avLst/>
+          </a:prstGeom>
+          <a:solidFill>
+            <a:schemeClr val="bg1">
+              <a:lumMod val="75000"/>
+            </a:schemeClr>
+          </a:solidFill>
+          <a:ln w="38100">
+            <a:solidFill>
+              <a:schemeClr val="tx1"/>
+            </a:solidFill>
+          </a:ln>
+        </p:spPr>
+        <p:style>
+          <a:lnRef idx="2">
+            <a:schemeClr val="accent1">
+              <a:shade val="15000"/>
+            </a:schemeClr>
+          </a:lnRef>
+          <a:fillRef idx="1">
+            <a:schemeClr val="accent1"/>
+          </a:fillRef>
+          <a:effectRef idx="0">
+            <a:schemeClr val="accent1"/>
+          </a:effectRef>
+          <a:fontRef idx="minor">
+            <a:schemeClr val="lt1"/>
+          </a:fontRef>
+        </p:style>
+        <p:txBody>
+          <a:bodyPr rtlCol="0" anchor="ctr"/>
+          <a:lstStyle/>
+          <a:p>
+            <a:pPr algn="ctr"/>
+            <a:endParaRPr lang="nl-NL" sz="6600" dirty="0">
+              <a:solidFill>
+                <a:schemeClr val="tx1"/>
+              </a:solidFill>
+            </a:endParaRPr>
+          </a:p>
+        </p:txBody>
+      </p:sp>
+      <p:sp>
+        <p:nvSpPr>
+          <p:cNvPr id="62" name="Oval 61">
+            <a:extLst>
+              <a:ext uri="{FF2B5EF4-FFF2-40B4-BE49-F238E27FC236}">
+                <a16:creationId xmlns:a16="http://schemas.microsoft.com/office/drawing/2014/main" id="{6C9785B9-245F-212B-4BDC-6709800BBE70}"/>
+              </a:ext>
+            </a:extLst>
+          </p:cNvPr>
+          <p:cNvSpPr>
+            <a:spLocks noChangeAspect="1"/>
+          </p:cNvSpPr>
+          <p:nvPr/>
+        </p:nvSpPr>
+        <p:spPr>
+          <a:xfrm>
+            <a:off x="2322921" y="431212"/>
+            <a:ext cx="313928" cy="313928"/>
+          </a:xfrm>
+          <a:prstGeom prst="ellipse">
+            <a:avLst/>
+          </a:prstGeom>
+          <a:solidFill>
+            <a:schemeClr val="bg1">
+              <a:lumMod val="75000"/>
+            </a:schemeClr>
+          </a:solidFill>
+          <a:ln w="38100">
+            <a:solidFill>
+              <a:schemeClr val="tx1"/>
+            </a:solidFill>
+          </a:ln>
+        </p:spPr>
+        <p:style>
+          <a:lnRef idx="2">
+            <a:schemeClr val="accent1">
+              <a:shade val="15000"/>
+            </a:schemeClr>
+          </a:lnRef>
+          <a:fillRef idx="1">
+            <a:schemeClr val="accent1"/>
+          </a:fillRef>
+          <a:effectRef idx="0">
+            <a:schemeClr val="accent1"/>
+          </a:effectRef>
+          <a:fontRef idx="minor">
+            <a:schemeClr val="lt1"/>
+          </a:fontRef>
+        </p:style>
+        <p:txBody>
+          <a:bodyPr rtlCol="0" anchor="ctr"/>
+          <a:lstStyle/>
+          <a:p>
+            <a:pPr algn="ctr"/>
+            <a:endParaRPr lang="nl-NL" sz="6600" dirty="0">
+              <a:solidFill>
+                <a:schemeClr val="tx1"/>
+              </a:solidFill>
+            </a:endParaRPr>
+          </a:p>
+        </p:txBody>
+      </p:sp>
+      <p:sp>
+        <p:nvSpPr>
+          <p:cNvPr id="63" name="Oval 62">
+            <a:extLst>
+              <a:ext uri="{FF2B5EF4-FFF2-40B4-BE49-F238E27FC236}">
+                <a16:creationId xmlns:a16="http://schemas.microsoft.com/office/drawing/2014/main" id="{03FD9C11-000C-19C3-576F-07E5B4172316}"/>
+              </a:ext>
+            </a:extLst>
+          </p:cNvPr>
+          <p:cNvSpPr>
+            <a:spLocks noChangeAspect="1"/>
+          </p:cNvSpPr>
+          <p:nvPr/>
+        </p:nvSpPr>
+        <p:spPr>
+          <a:xfrm>
+            <a:off x="1732370" y="67461"/>
+            <a:ext cx="411177" cy="411177"/>
+          </a:xfrm>
+          <a:prstGeom prst="ellipse">
+            <a:avLst/>
+          </a:prstGeom>
+          <a:solidFill>
+            <a:schemeClr val="tx2">
+              <a:lumMod val="60000"/>
+              <a:lumOff val="40000"/>
+            </a:schemeClr>
+          </a:solidFill>
+          <a:ln w="38100">
+            <a:solidFill>
+              <a:schemeClr val="tx1"/>
+            </a:solidFill>
+          </a:ln>
+        </p:spPr>
+        <p:style>
+          <a:lnRef idx="2">
+            <a:schemeClr val="accent1">
+              <a:shade val="15000"/>
+            </a:schemeClr>
+          </a:lnRef>
+          <a:fillRef idx="1">
+            <a:schemeClr val="accent1"/>
+          </a:fillRef>
+          <a:effectRef idx="0">
+            <a:schemeClr val="accent1"/>
+          </a:effectRef>
+          <a:fontRef idx="minor">
+            <a:schemeClr val="lt1"/>
+          </a:fontRef>
+        </p:style>
+        <p:txBody>
+          <a:bodyPr rtlCol="0" anchor="ctr"/>
+          <a:lstStyle/>
+          <a:p>
+            <a:pPr algn="ctr"/>
+            <a:endParaRPr lang="nl-NL" sz="6600" dirty="0">
+              <a:solidFill>
+                <a:schemeClr val="tx1"/>
+              </a:solidFill>
+            </a:endParaRPr>
+          </a:p>
+        </p:txBody>
+      </p:sp>
+      <p:cxnSp>
+        <p:nvCxnSpPr>
+          <p:cNvPr id="64" name="Straight Connector 63">
+            <a:extLst>
+              <a:ext uri="{FF2B5EF4-FFF2-40B4-BE49-F238E27FC236}">
+                <a16:creationId xmlns:a16="http://schemas.microsoft.com/office/drawing/2014/main" id="{4D5C62B2-FAE4-1828-87FB-57A2F38A53D3}"/>
+              </a:ext>
+            </a:extLst>
+          </p:cNvPr>
+          <p:cNvCxnSpPr>
+            <a:cxnSpLocks/>
+          </p:cNvCxnSpPr>
+          <p:nvPr/>
+        </p:nvCxnSpPr>
+        <p:spPr>
+          <a:xfrm flipH="1">
+            <a:off x="1252275" y="339725"/>
+            <a:ext cx="476250" cy="219075"/>
+          </a:xfrm>
+          <a:prstGeom prst="line">
+            <a:avLst/>
+          </a:prstGeom>
+          <a:ln w="28575">
+            <a:solidFill>
+              <a:schemeClr val="tx1"/>
+            </a:solidFill>
+            <a:tailEnd type="triangle" w="sm" len="sm"/>
+          </a:ln>
+        </p:spPr>
+        <p:style>
+          <a:lnRef idx="1">
+            <a:schemeClr val="accent1"/>
+          </a:lnRef>
+          <a:fillRef idx="0">
+            <a:schemeClr val="accent1"/>
+          </a:fillRef>
+          <a:effectRef idx="0">
+            <a:schemeClr val="accent1"/>
+          </a:effectRef>
+          <a:fontRef idx="minor">
+            <a:schemeClr val="tx1"/>
+          </a:fontRef>
+        </p:style>
+      </p:cxnSp>
+      <p:cxnSp>
+        <p:nvCxnSpPr>
+          <p:cNvPr id="65" name="Straight Connector 64">
+            <a:extLst>
+              <a:ext uri="{FF2B5EF4-FFF2-40B4-BE49-F238E27FC236}">
+                <a16:creationId xmlns:a16="http://schemas.microsoft.com/office/drawing/2014/main" id="{07D2E98A-DA50-D00E-0444-37A2B216FA91}"/>
+              </a:ext>
+            </a:extLst>
+          </p:cNvPr>
+          <p:cNvCxnSpPr>
+            <a:cxnSpLocks/>
+          </p:cNvCxnSpPr>
+          <p:nvPr/>
+        </p:nvCxnSpPr>
+        <p:spPr>
+          <a:xfrm>
+            <a:off x="2033209" y="469113"/>
+            <a:ext cx="64708" cy="144433"/>
+          </a:xfrm>
+          <a:prstGeom prst="line">
+            <a:avLst/>
+          </a:prstGeom>
+          <a:ln w="28575">
+            <a:solidFill>
+              <a:schemeClr val="tx1"/>
+            </a:solidFill>
+            <a:headEnd type="none" w="med" len="med"/>
+            <a:tailEnd type="triangle" w="sm" len="sm"/>
+          </a:ln>
+        </p:spPr>
+        <p:style>
+          <a:lnRef idx="1">
+            <a:schemeClr val="accent1"/>
+          </a:lnRef>
+          <a:fillRef idx="0">
+            <a:schemeClr val="accent1"/>
+          </a:fillRef>
+          <a:effectRef idx="0">
+            <a:schemeClr val="accent1"/>
+          </a:effectRef>
+          <a:fontRef idx="minor">
+            <a:schemeClr val="tx1"/>
+          </a:fontRef>
+        </p:style>
+      </p:cxnSp>
+      <p:cxnSp>
+        <p:nvCxnSpPr>
+          <p:cNvPr id="66" name="Straight Connector 65">
+            <a:extLst>
+              <a:ext uri="{FF2B5EF4-FFF2-40B4-BE49-F238E27FC236}">
+                <a16:creationId xmlns:a16="http://schemas.microsoft.com/office/drawing/2014/main" id="{B7C19AB0-D229-39CF-E26D-A05AE03F37A9}"/>
+              </a:ext>
+            </a:extLst>
+          </p:cNvPr>
+          <p:cNvCxnSpPr>
+            <a:cxnSpLocks/>
+          </p:cNvCxnSpPr>
+          <p:nvPr/>
+        </p:nvCxnSpPr>
+        <p:spPr>
+          <a:xfrm>
+            <a:off x="2111783" y="389739"/>
+            <a:ext cx="228600" cy="117475"/>
+          </a:xfrm>
+          <a:prstGeom prst="line">
+            <a:avLst/>
+          </a:prstGeom>
+          <a:ln w="28575">
+            <a:solidFill>
+              <a:schemeClr val="tx1"/>
+            </a:solidFill>
+            <a:tailEnd type="triangle" w="sm" len="sm"/>
+          </a:ln>
+        </p:spPr>
+        <p:style>
+          <a:lnRef idx="1">
+            <a:schemeClr val="accent1"/>
+          </a:lnRef>
+          <a:fillRef idx="0">
+            <a:schemeClr val="accent1"/>
+          </a:fillRef>
+          <a:effectRef idx="0">
+            <a:schemeClr val="accent1"/>
+          </a:effectRef>
+          <a:fontRef idx="minor">
+            <a:schemeClr val="tx1"/>
+          </a:fontRef>
+        </p:style>
+      </p:cxnSp>
+      <p:cxnSp>
+        <p:nvCxnSpPr>
+          <p:cNvPr id="67" name="Straight Connector 66">
+            <a:extLst>
+              <a:ext uri="{FF2B5EF4-FFF2-40B4-BE49-F238E27FC236}">
+                <a16:creationId xmlns:a16="http://schemas.microsoft.com/office/drawing/2014/main" id="{4EC1ACDF-1ECB-BD43-EF81-2C889B0B4000}"/>
+              </a:ext>
+            </a:extLst>
+          </p:cNvPr>
+          <p:cNvCxnSpPr>
+            <a:cxnSpLocks/>
+          </p:cNvCxnSpPr>
+          <p:nvPr/>
+        </p:nvCxnSpPr>
+        <p:spPr>
+          <a:xfrm flipH="1">
+            <a:off x="1086377" y="717550"/>
+            <a:ext cx="63500" cy="558800"/>
+          </a:xfrm>
+          <a:prstGeom prst="line">
+            <a:avLst/>
+          </a:prstGeom>
+          <a:ln w="88900">
+            <a:solidFill>
+              <a:schemeClr val="tx1"/>
+            </a:solidFill>
+          </a:ln>
+        </p:spPr>
+        <p:style>
+          <a:lnRef idx="1">
+            <a:schemeClr val="accent1"/>
+          </a:lnRef>
+          <a:fillRef idx="0">
+            <a:schemeClr val="accent1"/>
+          </a:fillRef>
+          <a:effectRef idx="0">
+            <a:schemeClr val="accent1"/>
+          </a:effectRef>
+          <a:fontRef idx="minor">
+            <a:schemeClr val="tx1"/>
+          </a:fontRef>
+        </p:style>
+      </p:cxnSp>
+      <p:sp>
+        <p:nvSpPr>
+          <p:cNvPr id="70" name="Oval 69">
+            <a:extLst>
+              <a:ext uri="{FF2B5EF4-FFF2-40B4-BE49-F238E27FC236}">
+                <a16:creationId xmlns:a16="http://schemas.microsoft.com/office/drawing/2014/main" id="{F25F7F0F-CACA-7E43-F6AC-8AC220F14A4E}"/>
+              </a:ext>
+            </a:extLst>
+          </p:cNvPr>
+          <p:cNvSpPr>
+            <a:spLocks noChangeAspect="1"/>
+          </p:cNvSpPr>
+          <p:nvPr/>
+        </p:nvSpPr>
+        <p:spPr>
+          <a:xfrm>
+            <a:off x="641090" y="1458096"/>
+            <a:ext cx="190500" cy="190500"/>
+          </a:xfrm>
+          <a:prstGeom prst="ellipse">
+            <a:avLst/>
+          </a:prstGeom>
+          <a:solidFill>
+            <a:schemeClr val="bg1">
+              <a:lumMod val="75000"/>
+            </a:schemeClr>
+          </a:solidFill>
+          <a:ln w="38100">
+            <a:solidFill>
+              <a:schemeClr val="tx1"/>
+            </a:solidFill>
+          </a:ln>
+        </p:spPr>
+        <p:style>
+          <a:lnRef idx="2">
+            <a:schemeClr val="accent1">
+              <a:shade val="15000"/>
+            </a:schemeClr>
+          </a:lnRef>
+          <a:fillRef idx="1">
+            <a:schemeClr val="accent1"/>
+          </a:fillRef>
+          <a:effectRef idx="0">
+            <a:schemeClr val="accent1"/>
+          </a:effectRef>
+          <a:fontRef idx="minor">
+            <a:schemeClr val="lt1"/>
+          </a:fontRef>
+        </p:style>
+        <p:txBody>
+          <a:bodyPr rtlCol="0" anchor="ctr"/>
+          <a:lstStyle/>
+          <a:p>
+            <a:pPr algn="ctr"/>
+            <a:endParaRPr lang="nl-NL" sz="6600" dirty="0">
+              <a:solidFill>
+                <a:schemeClr val="tx1"/>
+              </a:solidFill>
+            </a:endParaRPr>
+          </a:p>
+        </p:txBody>
+      </p:sp>
+      <p:cxnSp>
+        <p:nvCxnSpPr>
+          <p:cNvPr id="71" name="Straight Connector 70">
+            <a:extLst>
+              <a:ext uri="{FF2B5EF4-FFF2-40B4-BE49-F238E27FC236}">
+                <a16:creationId xmlns:a16="http://schemas.microsoft.com/office/drawing/2014/main" id="{7475A530-2F67-36D1-3DD5-F4F68AA28CA3}"/>
+              </a:ext>
+            </a:extLst>
+          </p:cNvPr>
+          <p:cNvCxnSpPr>
+            <a:cxnSpLocks/>
+          </p:cNvCxnSpPr>
+          <p:nvPr/>
+        </p:nvCxnSpPr>
+        <p:spPr>
+          <a:xfrm flipH="1">
+            <a:off x="840887" y="1449359"/>
+            <a:ext cx="104207" cy="56090"/>
+          </a:xfrm>
+          <a:prstGeom prst="line">
+            <a:avLst/>
+          </a:prstGeom>
+          <a:ln w="28575">
+            <a:solidFill>
+              <a:schemeClr val="tx1"/>
+            </a:solidFill>
+            <a:tailEnd type="triangle" w="sm" len="sm"/>
+          </a:ln>
+        </p:spPr>
+        <p:style>
+          <a:lnRef idx="1">
+            <a:schemeClr val="accent1"/>
+          </a:lnRef>
+          <a:fillRef idx="0">
+            <a:schemeClr val="accent1"/>
+          </a:fillRef>
+          <a:effectRef idx="0">
+            <a:schemeClr val="accent1"/>
+          </a:effectRef>
+          <a:fontRef idx="minor">
+            <a:schemeClr val="tx1"/>
+          </a:fontRef>
+        </p:style>
+      </p:cxnSp>
+      <p:sp>
+        <p:nvSpPr>
+          <p:cNvPr id="2" name="TextBox 1">
+            <a:extLst>
+              <a:ext uri="{FF2B5EF4-FFF2-40B4-BE49-F238E27FC236}">
+                <a16:creationId xmlns:a16="http://schemas.microsoft.com/office/drawing/2014/main" id="{E8B91C2D-C625-83ED-0B46-0C795242E7A3}"/>
+              </a:ext>
+            </a:extLst>
+          </p:cNvPr>
+          <p:cNvSpPr txBox="1"/>
+          <p:nvPr/>
+        </p:nvSpPr>
+        <p:spPr>
+          <a:xfrm>
+            <a:off x="2017579" y="1276971"/>
+            <a:ext cx="872258" cy="246221"/>
+          </a:xfrm>
+          <a:prstGeom prst="rect">
+            <a:avLst/>
+          </a:prstGeom>
+          <a:noFill/>
+        </p:spPr>
+        <p:txBody>
+          <a:bodyPr wrap="square" rtlCol="0">
+            <a:spAutoFit/>
+          </a:bodyPr>
+          <a:lstStyle/>
+          <a:p>
+            <a:r>
+              <a:rPr lang="en-US" sz="1000" dirty="0"/>
+              <a:t>For Python</a:t>
+            </a:r>
+            <a:endParaRPr lang="nl-NL" sz="1000" dirty="0"/>
+          </a:p>
+        </p:txBody>
+      </p:sp>
+    </p:spTree>
+    <p:extLst>
+      <p:ext uri="{BB962C8B-B14F-4D97-AF65-F5344CB8AC3E}">
+        <p14:creationId xmlns:p14="http://schemas.microsoft.com/office/powerpoint/2010/main" val="4144683393"/>
       </p:ext>
     </p:extLst>
   </p:cSld>
